--- a/rid_2022_seminarski/mi17148_Stamenkovic_Jovan/Predavanje_2/Prezentacija/privatnost i vlada prezentacija.pptx
+++ b/rid_2022_seminarski/mi17148_Stamenkovic_Jovan/Predavanje_2/Prezentacija/privatnost i vlada prezentacija.pptx
@@ -304,7 +304,7 @@
           <a:p>
             <a:fld id="{1E1232A4-782E-42BB-A8D8-E150B78DF018}" type="datetimeFigureOut">
               <a:rPr lang="en-US" smtClean="0"/>
-              <a:t>14-Aug-22</a:t>
+              <a:t>28-Sep-22</a:t>
             </a:fld>
             <a:endParaRPr lang="en-US"/>
           </a:p>
@@ -474,7 +474,7 @@
           <a:p>
             <a:fld id="{1E1232A4-782E-42BB-A8D8-E150B78DF018}" type="datetimeFigureOut">
               <a:rPr lang="en-US" smtClean="0"/>
-              <a:t>14-Aug-22</a:t>
+              <a:t>28-Sep-22</a:t>
             </a:fld>
             <a:endParaRPr lang="en-US"/>
           </a:p>
@@ -654,7 +654,7 @@
           <a:p>
             <a:fld id="{1E1232A4-782E-42BB-A8D8-E150B78DF018}" type="datetimeFigureOut">
               <a:rPr lang="en-US" smtClean="0"/>
-              <a:t>14-Aug-22</a:t>
+              <a:t>28-Sep-22</a:t>
             </a:fld>
             <a:endParaRPr lang="en-US"/>
           </a:p>
@@ -824,7 +824,7 @@
           <a:p>
             <a:fld id="{1E1232A4-782E-42BB-A8D8-E150B78DF018}" type="datetimeFigureOut">
               <a:rPr lang="en-US" smtClean="0"/>
-              <a:t>14-Aug-22</a:t>
+              <a:t>28-Sep-22</a:t>
             </a:fld>
             <a:endParaRPr lang="en-US"/>
           </a:p>
@@ -1070,7 +1070,7 @@
           <a:p>
             <a:fld id="{1E1232A4-782E-42BB-A8D8-E150B78DF018}" type="datetimeFigureOut">
               <a:rPr lang="en-US" smtClean="0"/>
-              <a:t>14-Aug-22</a:t>
+              <a:t>28-Sep-22</a:t>
             </a:fld>
             <a:endParaRPr lang="en-US"/>
           </a:p>
@@ -1358,7 +1358,7 @@
           <a:p>
             <a:fld id="{1E1232A4-782E-42BB-A8D8-E150B78DF018}" type="datetimeFigureOut">
               <a:rPr lang="en-US" smtClean="0"/>
-              <a:t>14-Aug-22</a:t>
+              <a:t>28-Sep-22</a:t>
             </a:fld>
             <a:endParaRPr lang="en-US"/>
           </a:p>
@@ -1780,7 +1780,7 @@
           <a:p>
             <a:fld id="{1E1232A4-782E-42BB-A8D8-E150B78DF018}" type="datetimeFigureOut">
               <a:rPr lang="en-US" smtClean="0"/>
-              <a:t>14-Aug-22</a:t>
+              <a:t>28-Sep-22</a:t>
             </a:fld>
             <a:endParaRPr lang="en-US"/>
           </a:p>
@@ -1898,7 +1898,7 @@
           <a:p>
             <a:fld id="{1E1232A4-782E-42BB-A8D8-E150B78DF018}" type="datetimeFigureOut">
               <a:rPr lang="en-US" smtClean="0"/>
-              <a:t>14-Aug-22</a:t>
+              <a:t>28-Sep-22</a:t>
             </a:fld>
             <a:endParaRPr lang="en-US"/>
           </a:p>
@@ -1993,7 +1993,7 @@
           <a:p>
             <a:fld id="{1E1232A4-782E-42BB-A8D8-E150B78DF018}" type="datetimeFigureOut">
               <a:rPr lang="en-US" smtClean="0"/>
-              <a:t>14-Aug-22</a:t>
+              <a:t>28-Sep-22</a:t>
             </a:fld>
             <a:endParaRPr lang="en-US"/>
           </a:p>
@@ -2270,7 +2270,7 @@
           <a:p>
             <a:fld id="{1E1232A4-782E-42BB-A8D8-E150B78DF018}" type="datetimeFigureOut">
               <a:rPr lang="en-US" smtClean="0"/>
-              <a:t>14-Aug-22</a:t>
+              <a:t>28-Sep-22</a:t>
             </a:fld>
             <a:endParaRPr lang="en-US"/>
           </a:p>
@@ -2523,7 +2523,7 @@
           <a:p>
             <a:fld id="{1E1232A4-782E-42BB-A8D8-E150B78DF018}" type="datetimeFigureOut">
               <a:rPr lang="en-US" smtClean="0"/>
-              <a:t>14-Aug-22</a:t>
+              <a:t>28-Sep-22</a:t>
             </a:fld>
             <a:endParaRPr lang="en-US"/>
           </a:p>
@@ -2736,7 +2736,7 @@
           <a:p>
             <a:fld id="{1E1232A4-782E-42BB-A8D8-E150B78DF018}" type="datetimeFigureOut">
               <a:rPr lang="en-US" smtClean="0"/>
-              <a:t>14-Aug-22</a:t>
+              <a:t>28-Sep-22</a:t>
             </a:fld>
             <a:endParaRPr lang="en-US"/>
           </a:p>
@@ -3173,7 +3173,7 @@
       </p:grpSpPr>
       <p:pic>
         <p:nvPicPr>
-          <p:cNvPr id="2" name="Picture 1"/>
+          <p:cNvPr id="3" name="Picture 2"/>
           <p:cNvPicPr>
             <a:picLocks noChangeAspect="1"/>
           </p:cNvPicPr>
@@ -3193,8 +3193,8 @@
         </p:blipFill>
         <p:spPr>
           <a:xfrm>
-            <a:off x="0" y="870424"/>
-            <a:ext cx="9144000" cy="5117151"/>
+            <a:off x="0" y="875237"/>
+            <a:ext cx="9144000" cy="5107525"/>
           </a:xfrm>
           <a:prstGeom prst="rect">
             <a:avLst/>
@@ -3233,7 +3233,7 @@
       </p:grpSpPr>
       <p:pic>
         <p:nvPicPr>
-          <p:cNvPr id="2" name="Picture 1"/>
+          <p:cNvPr id="3" name="Picture 2"/>
           <p:cNvPicPr>
             <a:picLocks noChangeAspect="1"/>
           </p:cNvPicPr>
@@ -3253,8 +3253,8 @@
         </p:blipFill>
         <p:spPr>
           <a:xfrm>
-            <a:off x="0" y="865193"/>
-            <a:ext cx="9144000" cy="5127613"/>
+            <a:off x="0" y="862710"/>
+            <a:ext cx="9144000" cy="5132579"/>
           </a:xfrm>
           <a:prstGeom prst="rect">
             <a:avLst/>
@@ -3653,7 +3653,7 @@
       </p:grpSpPr>
       <p:pic>
         <p:nvPicPr>
-          <p:cNvPr id="2" name="Picture 1"/>
+          <p:cNvPr id="3" name="Picture 2"/>
           <p:cNvPicPr>
             <a:picLocks noChangeAspect="1"/>
           </p:cNvPicPr>
@@ -3673,8 +3673,8 @@
         </p:blipFill>
         <p:spPr>
           <a:xfrm>
-            <a:off x="0" y="869990"/>
-            <a:ext cx="9144000" cy="5118019"/>
+            <a:off x="0" y="866350"/>
+            <a:ext cx="9144000" cy="5125299"/>
           </a:xfrm>
           <a:prstGeom prst="rect">
             <a:avLst/>
